--- a/Project # 2 - Cardio_train.pptx
+++ b/Project # 2 - Cardio_train.pptx
@@ -108,6 +108,11 @@
       </a:defRPr>
     </a:lvl9pPr>
   </p:defaultTextStyle>
+  <p:extLst>
+    <p:ext uri="{EFAFB233-063F-42B5-8137-9DF3F51BA10A}">
+      <p15:sldGuideLst xmlns:p15="http://schemas.microsoft.com/office/powerpoint/2012/main"/>
+    </p:ext>
+  </p:extLst>
 </p:presentation>
 </file>
 
@@ -3562,7 +3567,9 @@
           </a:xfrm>
         </p:spPr>
         <p:txBody>
-          <a:bodyPr/>
+          <a:bodyPr>
+            <a:normAutofit fontScale="77500" lnSpcReduction="20000"/>
+          </a:bodyPr>
           <a:lstStyle/>
           <a:p>
             <a:pPr algn="l"/>
@@ -3570,23 +3577,23 @@
               <a:rPr lang="en-US" dirty="0"/>
               <a:t>William Aromando</a:t>
             </a:r>
-            <a:br>
-              <a:rPr lang="en-US" dirty="0"/>
-            </a:br>
+          </a:p>
+          <a:p>
+            <a:pPr algn="l"/>
             <a:r>
               <a:rPr lang="en-US" dirty="0"/>
               <a:t>Dan Becker</a:t>
             </a:r>
-            <a:br>
-              <a:rPr lang="en-US" dirty="0"/>
-            </a:br>
+          </a:p>
+          <a:p>
+            <a:pPr algn="l"/>
             <a:r>
               <a:rPr lang="en-US" dirty="0"/>
               <a:t>Joanne Donohue</a:t>
             </a:r>
-            <a:br>
-              <a:rPr lang="en-US" dirty="0"/>
-            </a:br>
+          </a:p>
+          <a:p>
+            <a:pPr algn="l"/>
             <a:r>
               <a:rPr lang="en-US" dirty="0" err="1"/>
               <a:t>Vivin</a:t>
@@ -3594,6 +3601,13 @@
             <a:r>
               <a:rPr lang="en-US" dirty="0"/>
               <a:t> Rajagopalan</a:t>
+            </a:r>
+          </a:p>
+          <a:p>
+            <a:pPr algn="l"/>
+            <a:r>
+              <a:rPr lang="en-US" dirty="0"/>
+              <a:t>Aaron Swan</a:t>
             </a:r>
           </a:p>
         </p:txBody>
